--- a/agile moves/Tomatoes (TOM)/ger/journeyman/ger_TOM_09_Aufdrehen_fertig_los_AM_J.pptx
+++ b/agile moves/Tomatoes (TOM)/ger/journeyman/ger_TOM_09_Aufdrehen_fertig_los_AM_J.pptx
@@ -193,7 +193,7 @@
           <a:p>
             <a:fld id="{B0CB8B2F-27AE-FC42-9F9A-56AAD34EAFDA}" type="datetimeFigureOut">
               <a:rPr lang="de-DE" smtClean="0"/>
-              <a:t>14.07.15</a:t>
+              <a:t>27.07.15</a:t>
             </a:fld>
             <a:endParaRPr lang="de-DE"/>
           </a:p>
@@ -1162,7 +1162,7 @@
           <a:p>
             <a:fld id="{FF5B2BAF-DF38-0A48-A798-0C06E514FD52}" type="datetimeFigureOut">
               <a:rPr lang="de-DE" smtClean="0"/>
-              <a:t>14.07.15</a:t>
+              <a:t>27.07.15</a:t>
             </a:fld>
             <a:endParaRPr lang="de-DE" dirty="0"/>
           </a:p>
@@ -1432,7 +1432,7 @@
           <a:p>
             <a:fld id="{FF5B2BAF-DF38-0A48-A798-0C06E514FD52}" type="datetimeFigureOut">
               <a:rPr lang="de-DE" smtClean="0"/>
-              <a:t>14.07.15</a:t>
+              <a:t>27.07.15</a:t>
             </a:fld>
             <a:endParaRPr lang="de-DE" dirty="0"/>
           </a:p>
@@ -2531,11 +2531,7 @@
             </a:pPr>
             <a:r>
               <a:rPr lang="de-DE" sz="1200" dirty="0" smtClean="0"/>
-              <a:t>Nun variierst </a:t>
-            </a:r>
-            <a:r>
-              <a:rPr lang="de-DE" sz="1200" dirty="0" smtClean="0"/>
-              <a:t>Du den Move, um ein noch besseres Gefühl für Deine Tomaten zu bekommen und immer genauere Vorhersagen mache zu können.</a:t>
+              <a:t>Nun variierst Du den Move, um ein noch besseres Gefühl für Deine Tomaten zu bekommen und immer genauere Vorhersagen mache zu können.</a:t>
             </a:r>
           </a:p>
           <a:p>
@@ -2585,15 +2581,19 @@
             </a:r>
             <a:r>
               <a:rPr lang="de-DE" sz="1200" dirty="0" smtClean="0"/>
-              <a:t>6 </a:t>
+              <a:t>8 </a:t>
             </a:r>
             <a:r>
               <a:rPr lang="de-DE" sz="1200" dirty="0"/>
-              <a:t>Tomaten an </a:t>
-            </a:r>
-            <a:r>
-              <a:rPr lang="de-DE" sz="1200" dirty="0" smtClean="0"/>
-              <a:t>vier </a:t>
+              <a:t>Tomaten </a:t>
+            </a:r>
+            <a:r>
+              <a:rPr lang="de-DE" sz="1200"/>
+              <a:t>an </a:t>
+            </a:r>
+            <a:r>
+              <a:rPr lang="de-DE" sz="1200" smtClean="0"/>
+              <a:t>4 </a:t>
             </a:r>
             <a:r>
               <a:rPr lang="de-DE" sz="1200" dirty="0"/>
@@ -2645,11 +2645,23 @@
             </a:pPr>
             <a:r>
               <a:rPr lang="de-DE" sz="1200" dirty="0"/>
-              <a:t>Mache 6 </a:t>
+              <a:t>Mache </a:t>
+            </a:r>
+            <a:r>
+              <a:rPr lang="de-DE" sz="1200" dirty="0" smtClean="0"/>
+              <a:t>8 </a:t>
             </a:r>
             <a:r>
               <a:rPr lang="de-DE" sz="1200" dirty="0"/>
-              <a:t>Tomaten an vier verschiedenen Tagen.</a:t>
+              <a:t>Tomaten an </a:t>
+            </a:r>
+            <a:r>
+              <a:rPr lang="de-DE" sz="1200" dirty="0" smtClean="0"/>
+              <a:t>4 </a:t>
+            </a:r>
+            <a:r>
+              <a:rPr lang="de-DE" sz="1200" dirty="0"/>
+              <a:t>verschiedenen Tagen.</a:t>
             </a:r>
           </a:p>
           <a:p>
@@ -2663,11 +2675,7 @@
             </a:pPr>
             <a:r>
               <a:rPr lang="de-DE" sz="1200" dirty="0"/>
-              <a:t>Wie viel </a:t>
-            </a:r>
-            <a:r>
-              <a:rPr lang="de-DE" sz="1200" dirty="0"/>
-              <a:t>Prozent von dem, das Du Dir vorgenommen hast, hast Du erreicht? </a:t>
+              <a:t>Wie viel Prozent von dem, das Du Dir vorgenommen hast, hast Du erreicht? </a:t>
             </a:r>
             <a:r>
               <a:rPr lang="de-DE" sz="1200" dirty="0" smtClean="0"/>
@@ -2693,11 +2701,7 @@
             </a:br>
             <a:r>
               <a:rPr lang="de-DE" sz="1200" dirty="0" smtClean="0"/>
-              <a:t>Auch </a:t>
-            </a:r>
-            <a:r>
-              <a:rPr lang="de-DE" sz="1200" dirty="0" smtClean="0"/>
-              <a:t>wenn Du mehr geschafft hast, als vorhergesagt, ist das eine Abweichung von Deinen Vorhersagen, genau wie wenn Du Dir zu viel vorgenommen hast.</a:t>
+              <a:t>Auch wenn Du mehr geschafft hast, als vorhergesagt, ist das eine Abweichung von Deinen Vorhersagen, genau wie wenn Du Dir zu viel vorgenommen hast.</a:t>
             </a:r>
             <a:endParaRPr lang="de-DE" sz="1200" dirty="0"/>
           </a:p>

--- a/agile moves/Tomatoes (TOM)/ger/journeyman/ger_TOM_09_Aufdrehen_fertig_los_AM_J.pptx
+++ b/agile moves/Tomatoes (TOM)/ger/journeyman/ger_TOM_09_Aufdrehen_fertig_los_AM_J.pptx
@@ -108,6 +108,22 @@
       </a:defRPr>
     </a:lvl9pPr>
   </p:defaultTextStyle>
+  <p:extLst>
+    <p:ext uri="{EFAFB233-063F-42B5-8137-9DF3F51BA10A}">
+      <p15:sldGuideLst xmlns:p15="http://schemas.microsoft.com/office/powerpoint/2012/main">
+        <p15:guide id="1" orient="horz" pos="1103">
+          <p15:clr>
+            <a:srgbClr val="A4A3A4"/>
+          </p15:clr>
+        </p15:guide>
+        <p15:guide id="2" pos="772">
+          <p15:clr>
+            <a:srgbClr val="A4A3A4"/>
+          </p15:clr>
+        </p15:guide>
+      </p15:sldGuideLst>
+    </p:ext>
+  </p:extLst>
 </p:presentation>
 </file>
 
@@ -193,7 +209,7 @@
           <a:p>
             <a:fld id="{B0CB8B2F-27AE-FC42-9F9A-56AAD34EAFDA}" type="datetimeFigureOut">
               <a:rPr lang="de-DE" smtClean="0"/>
-              <a:t>27.07.15</a:t>
+              <a:t>15.08.15</a:t>
             </a:fld>
             <a:endParaRPr lang="de-DE"/>
           </a:p>
@@ -1162,7 +1178,7 @@
           <a:p>
             <a:fld id="{FF5B2BAF-DF38-0A48-A798-0C06E514FD52}" type="datetimeFigureOut">
               <a:rPr lang="de-DE" smtClean="0"/>
-              <a:t>27.07.15</a:t>
+              <a:t>15.08.15</a:t>
             </a:fld>
             <a:endParaRPr lang="de-DE" dirty="0"/>
           </a:p>
@@ -1432,7 +1448,7 @@
           <a:p>
             <a:fld id="{FF5B2BAF-DF38-0A48-A798-0C06E514FD52}" type="datetimeFigureOut">
               <a:rPr lang="de-DE" smtClean="0"/>
-              <a:t>27.07.15</a:t>
+              <a:t>15.08.15</a:t>
             </a:fld>
             <a:endParaRPr lang="de-DE" dirty="0"/>
           </a:p>
@@ -2073,6 +2089,61 @@
       </p:sp>
       <p:sp>
         <p:nvSpPr>
+          <p:cNvPr id="2" name="Untertitel 1"/>
+          <p:cNvSpPr>
+            <a:spLocks noGrp="1"/>
+          </p:cNvSpPr>
+          <p:nvPr>
+            <p:ph type="subTitle" idx="1"/>
+          </p:nvPr>
+        </p:nvSpPr>
+        <p:spPr>
+          <a:noFill/>
+        </p:spPr>
+        <p:txBody>
+          <a:bodyPr vert="horz" lIns="80678" tIns="40339" rIns="80678" bIns="40339" rtlCol="0">
+            <a:normAutofit/>
+          </a:bodyPr>
+          <a:lstStyle/>
+          <a:p>
+            <a:pPr>
+              <a:lnSpc>
+                <a:spcPct val="150000"/>
+              </a:lnSpc>
+              <a:spcBef>
+                <a:spcPts val="0"/>
+              </a:spcBef>
+              <a:buClr>
+                <a:srgbClr val="229237"/>
+              </a:buClr>
+              <a:buSzPct val="250000"/>
+            </a:pPr>
+            <a:r>
+              <a:rPr lang="de-DE" sz="1000" cap="all" dirty="0">
+                <a:solidFill>
+                  <a:srgbClr val="5D5E5F"/>
+                </a:solidFill>
+              </a:rPr>
+              <a:t>Silke </a:t>
+            </a:r>
+            <a:r>
+              <a:rPr lang="de-DE" sz="1000" cap="all" dirty="0" err="1">
+                <a:solidFill>
+                  <a:srgbClr val="5D5E5F"/>
+                </a:solidFill>
+              </a:rPr>
+              <a:t>Kainzbauer</a:t>
+            </a:r>
+            <a:endParaRPr lang="de-DE" sz="1000" cap="all" dirty="0">
+              <a:solidFill>
+                <a:srgbClr val="5D5E5F"/>
+              </a:solidFill>
+            </a:endParaRPr>
+          </a:p>
+        </p:txBody>
+      </p:sp>
+      <p:sp>
+        <p:nvSpPr>
           <p:cNvPr id="5" name="Inhaltsplatzhalter 4"/>
           <p:cNvSpPr>
             <a:spLocks noGrp="1"/>
@@ -2081,12 +2152,7 @@
             <p:ph idx="13"/>
           </p:nvPr>
         </p:nvSpPr>
-        <p:spPr>
-          <a:xfrm>
-            <a:off x="858838" y="1485052"/>
-            <a:ext cx="6444107" cy="3217235"/>
-          </a:xfrm>
-        </p:spPr>
+        <p:spPr/>
         <p:txBody>
           <a:bodyPr>
             <a:noAutofit/>
@@ -2095,45 +2161,18 @@
           <a:p>
             <a:pPr>
               <a:spcBef>
-                <a:spcPts val="1000"/>
+                <a:spcPts val="800"/>
               </a:spcBef>
             </a:pPr>
             <a:r>
               <a:rPr lang="de-DE" sz="1200" dirty="0"/>
-              <a:t>Bevor Du diese Karte </a:t>
-            </a:r>
-            <a:r>
-              <a:rPr lang="de-DE" sz="1200" dirty="0" smtClean="0"/>
-              <a:t>trainierst, </a:t>
-            </a:r>
-            <a:r>
-              <a:rPr lang="de-DE" sz="1200" dirty="0"/>
-              <a:t>solltest Du ein Zertifikat für TOM 01 haben. </a:t>
-            </a:r>
-            <a:r>
-              <a:rPr lang="de-DE" sz="1200" dirty="0" smtClean="0"/>
-              <a:t/>
-            </a:r>
-            <a:br>
-              <a:rPr lang="de-DE" sz="1200" dirty="0" smtClean="0"/>
-            </a:br>
-            <a:r>
-              <a:rPr lang="de-DE" sz="1200" dirty="0" smtClean="0"/>
-              <a:t>Diese </a:t>
-            </a:r>
-            <a:r>
-              <a:rPr lang="de-DE" sz="1200" dirty="0"/>
-              <a:t>Karte baut </a:t>
-            </a:r>
-            <a:r>
-              <a:rPr lang="de-DE" sz="1200" dirty="0" smtClean="0"/>
-              <a:t>darauf auf.</a:t>
+              <a:t>Bevor Du diese Karte trainierst, solltest Du ein Zertifikat für TOM 01 haben. Diese Karte baut darauf auf.</a:t>
             </a:r>
           </a:p>
           <a:p>
             <a:pPr>
               <a:spcBef>
-                <a:spcPts val="1000"/>
+                <a:spcPts val="800"/>
               </a:spcBef>
             </a:pPr>
             <a:r>
@@ -2153,20 +2192,16 @@
               <a:t>Technique</a:t>
             </a:r>
             <a:r>
-              <a:rPr lang="de-DE" sz="1200" dirty="0" smtClean="0"/>
+              <a:rPr lang="de-DE" sz="1200" dirty="0"/>
               <a:t>® </a:t>
             </a:r>
             <a:r>
-              <a:rPr lang="de-DE" sz="1200" baseline="30000" dirty="0" smtClean="0"/>
+              <a:rPr lang="de-DE" sz="1200" baseline="30000" dirty="0"/>
               <a:t>1</a:t>
             </a:r>
             <a:r>
-              <a:rPr lang="de-DE" sz="1200" dirty="0" smtClean="0"/>
-              <a:t> ist </a:t>
-            </a:r>
-            <a:r>
               <a:rPr lang="de-DE" sz="1200" dirty="0"/>
-              <a:t>ein Zeitmanagementwerkzeug, das von Francesco </a:t>
+              <a:t>  ist ein Zeitmanagementwerkzeug, das von Francesco </a:t>
             </a:r>
             <a:r>
               <a:rPr lang="de-DE" sz="1200" dirty="0" err="1"/>
@@ -2180,111 +2215,77 @@
           <a:p>
             <a:pPr lvl="0">
               <a:spcBef>
-                <a:spcPts val="1000"/>
+                <a:spcPts val="800"/>
               </a:spcBef>
             </a:pPr>
             <a:r>
               <a:rPr lang="de-DE" sz="1200" dirty="0"/>
-              <a:t>Du arbeitest in exakten Zeitfenstern: 25 Minuten mit 5 Minuten Pause</a:t>
+              <a:t>Du arbeitest in exakten Zeitfenstern: z.B. 25 Minuten mit 5 Minuten Pause. </a:t>
+            </a:r>
+            <a:r>
+              <a:rPr lang="de-DE" sz="1200" dirty="0" err="1"/>
+              <a:t>Cirillio</a:t>
+            </a:r>
+            <a:r>
+              <a:rPr lang="de-DE" sz="1200" dirty="0"/>
+              <a:t> nennt diese Zeitspanne "Tomate", nach den gängigen Eieruhren in Tomatenform.</a:t>
+            </a:r>
+          </a:p>
+          <a:p>
+            <a:pPr lvl="0">
+              <a:spcBef>
+                <a:spcPts val="800"/>
+              </a:spcBef>
+            </a:pPr>
+            <a:r>
+              <a:rPr lang="de-DE" sz="1200" dirty="0"/>
+              <a:t>Die Zeit wird mit einem </a:t>
+            </a:r>
+            <a:r>
+              <a:rPr lang="de-DE" sz="1200" dirty="0" err="1"/>
+              <a:t>Timer</a:t>
+            </a:r>
+            <a:r>
+              <a:rPr lang="de-DE" sz="1200" dirty="0"/>
+              <a:t> heruntergezählt und sollte nach Möglichkeit nicht unterbrochen werden.</a:t>
+            </a:r>
+          </a:p>
+          <a:p>
+            <a:pPr lvl="0">
+              <a:spcBef>
+                <a:spcPts val="800"/>
+              </a:spcBef>
+            </a:pPr>
+            <a:r>
+              <a:rPr lang="de-DE" sz="1200" dirty="0"/>
+              <a:t>Zeit, die Du in Tomaten einteilst, nimmst Du möglicherweise anders wahr. Fokussiere jede Tomate auf ein bestimmtes Thema.</a:t>
+            </a:r>
+          </a:p>
+          <a:p>
+            <a:pPr lvl="0">
+              <a:spcBef>
+                <a:spcPts val="800"/>
+              </a:spcBef>
+            </a:pPr>
+            <a:r>
+              <a:rPr lang="de-DE" sz="1200" dirty="0"/>
+              <a:t>Das Ziel der Tomate bestimmst Du vorher und nach Ablauf reflektierst Du das Ergebnis und Deine Zufriedenheit.</a:t>
+            </a:r>
+          </a:p>
+          <a:p>
+            <a:pPr lvl="0">
+              <a:spcBef>
+                <a:spcPts val="800"/>
+              </a:spcBef>
+            </a:pPr>
+            <a:r>
+              <a:rPr lang="de-DE" sz="1200" dirty="0"/>
+              <a:t>Die Pausen zwischen den Tomaten helfen Dir die Konzentration und Motivation über eine längere Zeitspanne aufrecht zu erhalten</a:t>
             </a:r>
             <a:r>
               <a:rPr lang="de-DE" sz="1200" dirty="0" smtClean="0"/>
               <a:t>.</a:t>
             </a:r>
-            <a:endParaRPr lang="de-DE" sz="1200" dirty="0"/>
-          </a:p>
-          <a:p>
-            <a:pPr lvl="0">
-              <a:spcBef>
-                <a:spcPts val="1000"/>
-              </a:spcBef>
-            </a:pPr>
-            <a:r>
-              <a:rPr lang="de-DE" sz="1200" dirty="0"/>
-              <a:t>Die Zeit wird mit einem </a:t>
-            </a:r>
-            <a:r>
-              <a:rPr lang="de-DE" sz="1200" dirty="0" err="1"/>
-              <a:t>Timer</a:t>
-            </a:r>
-            <a:r>
-              <a:rPr lang="de-DE" sz="1200" dirty="0"/>
-              <a:t> heruntergezählt und sollte nach Möglichkeit nicht unterbrochen werden</a:t>
-            </a:r>
-            <a:r>
-              <a:rPr lang="de-DE" sz="1200" dirty="0" smtClean="0"/>
-              <a:t>.</a:t>
-            </a:r>
-            <a:endParaRPr lang="de-DE" sz="1200" dirty="0"/>
-          </a:p>
-          <a:p>
-            <a:pPr lvl="0">
-              <a:spcBef>
-                <a:spcPts val="1000"/>
-              </a:spcBef>
-            </a:pPr>
-            <a:r>
-              <a:rPr lang="de-DE" sz="1200" dirty="0"/>
-              <a:t>Jede Tomate ist auf ein Thema fokussiert. </a:t>
-            </a:r>
-          </a:p>
-          <a:p>
-            <a:pPr lvl="0">
-              <a:spcBef>
-                <a:spcPts val="1000"/>
-              </a:spcBef>
-            </a:pPr>
-            <a:r>
-              <a:rPr lang="de-DE" sz="1200" dirty="0"/>
-              <a:t>Das Ziel der Tomate bestimmst Du vorher und nach Ablauf reflektierst Du das Ergebnis und Deine Zufriedenheit</a:t>
-            </a:r>
-            <a:r>
-              <a:rPr lang="de-DE" sz="1200" dirty="0" smtClean="0"/>
-              <a:t>.</a:t>
-            </a:r>
-            <a:endParaRPr lang="de-DE" sz="1200" dirty="0"/>
-          </a:p>
-          <a:p>
-            <a:pPr lvl="0">
-              <a:spcBef>
-                <a:spcPts val="1000"/>
-              </a:spcBef>
-            </a:pPr>
-            <a:r>
-              <a:rPr lang="de-DE" sz="1200" dirty="0"/>
-              <a:t>Zeit, die Du in Tomaten einteilst, nimmst Du anders wahr. Tomaten helfen Dir zu messen, wie lange Du für bestimmte Aufgaben brauchst. </a:t>
-            </a:r>
-          </a:p>
-          <a:p>
-            <a:pPr lvl="0">
-              <a:spcBef>
-                <a:spcPts val="1000"/>
-              </a:spcBef>
-            </a:pPr>
-            <a:r>
-              <a:rPr lang="de-DE" sz="1200" dirty="0"/>
-              <a:t>Die Pausen zwischen den Tomaten helfen Dir die Konzentration und Motivation über </a:t>
-            </a:r>
-            <a:r>
-              <a:rPr lang="de-DE" sz="1200" dirty="0" smtClean="0"/>
-              <a:t/>
-            </a:r>
-            <a:br>
-              <a:rPr lang="de-DE" sz="1200" dirty="0" smtClean="0"/>
-            </a:br>
-            <a:r>
-              <a:rPr lang="de-DE" sz="1200" dirty="0" smtClean="0"/>
-              <a:t>eine </a:t>
-            </a:r>
-            <a:r>
-              <a:rPr lang="de-DE" sz="1200" dirty="0"/>
-              <a:t>längere Zeitspanne aufrecht zu erhalten.</a:t>
-            </a:r>
-          </a:p>
-          <a:p>
-            <a:pPr marL="0" indent="0">
-              <a:buNone/>
-            </a:pPr>
             <a:endParaRPr lang="de-DE" sz="1200" dirty="0"/>
           </a:p>
         </p:txBody>
@@ -2496,7 +2497,7 @@
         </p:blipFill>
         <p:spPr>
           <a:xfrm>
-            <a:off x="6417755" y="4241529"/>
+            <a:off x="6265357" y="4121782"/>
             <a:ext cx="905256" cy="896112"/>
           </a:xfrm>
           <a:prstGeom prst="rect">
@@ -2514,7 +2515,12 @@
             <p:ph idx="1"/>
           </p:nvPr>
         </p:nvSpPr>
-        <p:spPr/>
+        <p:spPr>
+          <a:xfrm>
+            <a:off x="858838" y="1555750"/>
+            <a:ext cx="6140676" cy="3233964"/>
+          </a:xfrm>
+        </p:spPr>
         <p:txBody>
           <a:bodyPr>
             <a:normAutofit fontScale="85000" lnSpcReduction="20000"/>
@@ -2531,7 +2537,15 @@
             </a:pPr>
             <a:r>
               <a:rPr lang="de-DE" sz="1200" dirty="0" smtClean="0"/>
-              <a:t>Nun variierst Du den Move, um ein noch besseres Gefühl für Deine Tomaten zu bekommen und immer genauere Vorhersagen mache zu können.</a:t>
+              <a:t>Nun variierst Du den Move, um ein noch besseres Gefühl für Deine Tomaten zu bekommen und immer genauere Vorhersagen </a:t>
+            </a:r>
+            <a:r>
+              <a:rPr lang="de-DE" sz="1200" dirty="0" smtClean="0"/>
+              <a:t>machen </a:t>
+            </a:r>
+            <a:r>
+              <a:rPr lang="de-DE" sz="1200" dirty="0" smtClean="0"/>
+              <a:t>zu können.</a:t>
             </a:r>
           </a:p>
           <a:p>
@@ -2545,7 +2559,27 @@
             </a:pPr>
             <a:r>
               <a:rPr lang="de-DE" sz="1200" dirty="0" smtClean="0"/>
-              <a:t>Mache eine Woche lang die Variante 1 und eine Woche lang die Variante 2 und dokumentiere wie bisher zu </a:t>
+              <a:t>Mache </a:t>
+            </a:r>
+            <a:r>
+              <a:rPr lang="de-DE" sz="1200" dirty="0" smtClean="0"/>
+              <a:t>zwei Wochen </a:t>
+            </a:r>
+            <a:r>
+              <a:rPr lang="de-DE" sz="1200" dirty="0" smtClean="0"/>
+              <a:t>lang die Variante 1 und </a:t>
+            </a:r>
+            <a:r>
+              <a:rPr lang="de-DE" sz="1200" dirty="0" smtClean="0"/>
+              <a:t>zwei </a:t>
+            </a:r>
+            <a:r>
+              <a:rPr lang="de-DE" sz="1200" dirty="0" smtClean="0"/>
+              <a:t>Wochen </a:t>
+            </a:r>
+            <a:r>
+              <a:rPr lang="de-DE" sz="1200" dirty="0" smtClean="0"/>
+              <a:t>lang die Variante 2 und dokumentiere wie bisher zu </a:t>
             </a:r>
             <a:r>
               <a:rPr lang="de-DE" sz="1200" dirty="0"/>
@@ -2581,23 +2615,7 @@
             </a:r>
             <a:r>
               <a:rPr lang="de-DE" sz="1200" dirty="0" smtClean="0"/>
-              <a:t>8 </a:t>
-            </a:r>
-            <a:r>
-              <a:rPr lang="de-DE" sz="1200" dirty="0"/>
-              <a:t>Tomaten </a:t>
-            </a:r>
-            <a:r>
-              <a:rPr lang="de-DE" sz="1200"/>
-              <a:t>an </a:t>
-            </a:r>
-            <a:r>
-              <a:rPr lang="de-DE" sz="1200" smtClean="0"/>
-              <a:t>4 </a:t>
-            </a:r>
-            <a:r>
-              <a:rPr lang="de-DE" sz="1200" dirty="0"/>
-              <a:t>verschiedenen Tagen</a:t>
+              <a:t>15 Tomaten an mindestens acht verschiedenen Tagen innerhalb der zwei Wochen.</a:t>
             </a:r>
             <a:endParaRPr lang="de-DE" sz="1200" dirty="0" smtClean="0"/>
           </a:p>
@@ -2648,20 +2666,16 @@
               <a:t>Mache </a:t>
             </a:r>
             <a:r>
+              <a:rPr lang="de-DE" sz="1200" dirty="0"/>
+              <a:t>15 Tomaten an mindestens </a:t>
+            </a:r>
+            <a:r>
               <a:rPr lang="de-DE" sz="1200" dirty="0" smtClean="0"/>
-              <a:t>8 </a:t>
+              <a:t>acht </a:t>
             </a:r>
             <a:r>
               <a:rPr lang="de-DE" sz="1200" dirty="0"/>
-              <a:t>Tomaten an </a:t>
-            </a:r>
-            <a:r>
-              <a:rPr lang="de-DE" sz="1200" dirty="0" smtClean="0"/>
-              <a:t>4 </a:t>
-            </a:r>
-            <a:r>
-              <a:rPr lang="de-DE" sz="1200" dirty="0"/>
-              <a:t>verschiedenen Tagen.</a:t>
+              <a:t>verschiedenen Tagen innerhalb der zwei Wochen.</a:t>
             </a:r>
           </a:p>
           <a:p>
@@ -2674,8 +2688,24 @@
               </a:spcBef>
             </a:pPr>
             <a:r>
+              <a:rPr lang="de-DE" sz="1200" dirty="0" smtClean="0"/>
+              <a:t>Wieviel </a:t>
+            </a:r>
+            <a:r>
               <a:rPr lang="de-DE" sz="1200" dirty="0"/>
-              <a:t>Wie viel Prozent von dem, das Du Dir vorgenommen hast, hast Du erreicht? </a:t>
+              <a:t>Prozent von dem, </a:t>
+            </a:r>
+            <a:r>
+              <a:rPr lang="de-DE" sz="1200" dirty="0" smtClean="0"/>
+              <a:t>was </a:t>
+            </a:r>
+            <a:r>
+              <a:rPr lang="de-DE" sz="1200" dirty="0"/>
+              <a:t>Du Dir vorgenommen hast, hast Du erreicht? </a:t>
+            </a:r>
+            <a:r>
+              <a:rPr lang="de-DE" sz="1200" dirty="0" smtClean="0"/>
+              <a:t>Ergänze Deine Tomaten-Dokumentation um diese Prozentangabe.</a:t>
             </a:r>
             <a:r>
               <a:rPr lang="de-DE" sz="1200" dirty="0" smtClean="0"/>
@@ -2701,7 +2731,26 @@
             </a:br>
             <a:r>
               <a:rPr lang="de-DE" sz="1200" dirty="0" smtClean="0"/>
-              <a:t>Auch wenn Du mehr geschafft hast, als vorhergesagt, ist das eine Abweichung von Deinen Vorhersagen, genau wie wenn Du Dir zu viel vorgenommen hast.</a:t>
+              <a:t>Auch wenn Du mehr geschafft hast, als vorhergesagt, ist das eine Abweichung von </a:t>
+            </a:r>
+            <a:r>
+              <a:rPr lang="de-DE" sz="1200" dirty="0" smtClean="0"/>
+              <a:t/>
+            </a:r>
+            <a:br>
+              <a:rPr lang="de-DE" sz="1200" dirty="0" smtClean="0"/>
+            </a:br>
+            <a:r>
+              <a:rPr lang="de-DE" sz="1200" dirty="0" smtClean="0"/>
+              <a:t>Deinen </a:t>
+            </a:r>
+            <a:r>
+              <a:rPr lang="de-DE" sz="1200" dirty="0" smtClean="0"/>
+              <a:t>Vorhersagen, genau wie wenn Du Dir zu viel vorgenommen hast</a:t>
+            </a:r>
+            <a:r>
+              <a:rPr lang="de-DE" sz="1200" dirty="0" smtClean="0"/>
+              <a:t>. </a:t>
             </a:r>
             <a:endParaRPr lang="de-DE" sz="1200" dirty="0"/>
           </a:p>

--- a/agile moves/Tomatoes (TOM)/ger/journeyman/ger_TOM_09_Aufdrehen_fertig_los_AM_J.pptx
+++ b/agile moves/Tomatoes (TOM)/ger/journeyman/ger_TOM_09_Aufdrehen_fertig_los_AM_J.pptx
@@ -2630,7 +2630,26 @@
             </a:pPr>
             <a:r>
               <a:rPr lang="de-DE" sz="1200" dirty="0" smtClean="0"/>
-              <a:t>Du dokumentierst vor der Tomate nicht nur das Ziel, sondern auch die Schritte dorthin: Welche kleinen Schritte brauchst Du, um das Tomatenziel zu </a:t>
+              <a:t>Du dokumentierst vor der Tomate nicht nur das Ziel, sondern auch die Schritte dorthin</a:t>
+            </a:r>
+            <a:r>
+              <a:rPr lang="de-DE" sz="1200" smtClean="0"/>
+              <a:t>: </a:t>
+            </a:r>
+            <a:r>
+              <a:rPr lang="de-DE" sz="1200" smtClean="0"/>
+              <a:t/>
+            </a:r>
+            <a:br>
+              <a:rPr lang="de-DE" sz="1200" smtClean="0"/>
+            </a:br>
+            <a:r>
+              <a:rPr lang="de-DE" sz="1200" smtClean="0"/>
+              <a:t>Welche </a:t>
+            </a:r>
+            <a:r>
+              <a:rPr lang="de-DE" sz="1200" dirty="0" smtClean="0"/>
+              <a:t>kleinen Schritte brauchst Du, um das Tomatenziel zu </a:t>
             </a:r>
             <a:r>
               <a:rPr lang="de-DE" sz="1200" dirty="0"/>
